--- a/files/minh.pptx
+++ b/files/minh.pptx
@@ -307,7 +307,7 @@
           <a:p>
             <a:fld id="{75148B9B-05C8-435A-B8FF-9FB1CEC33D20}" type="datetimeFigureOut">
               <a:rPr lang="en-US" smtClean="0"/>
-              <a:t>10/8/25</a:t>
+              <a:t>10/8/2025</a:t>
             </a:fld>
             <a:endParaRPr lang="en-US"/>
           </a:p>
@@ -5028,7 +5028,7 @@
           <a:p>
             <a:fld id="{5BCAD085-E8A6-8845-BD4E-CB4CCA059FC4}" type="datetimeFigureOut">
               <a:rPr lang="en-US" smtClean="0"/>
-              <a:t>10/8/25</a:t>
+              <a:t>10/8/2025</a:t>
             </a:fld>
             <a:endParaRPr lang="en-US"/>
           </a:p>
@@ -5360,7 +5360,7 @@
           <a:p>
             <a:fld id="{5BCAD085-E8A6-8845-BD4E-CB4CCA059FC4}" type="datetimeFigureOut">
               <a:rPr lang="en-US" smtClean="0"/>
-              <a:t>10/8/25</a:t>
+              <a:t>10/8/2025</a:t>
             </a:fld>
             <a:endParaRPr lang="en-US"/>
           </a:p>
@@ -5759,7 +5759,7 @@
           <a:p>
             <a:fld id="{5BCAD085-E8A6-8845-BD4E-CB4CCA059FC4}" type="datetimeFigureOut">
               <a:rPr lang="en-US" smtClean="0"/>
-              <a:t>10/8/25</a:t>
+              <a:t>10/8/2025</a:t>
             </a:fld>
             <a:endParaRPr lang="en-US"/>
           </a:p>
@@ -6093,7 +6093,7 @@
           <a:p>
             <a:fld id="{5BCAD085-E8A6-8845-BD4E-CB4CCA059FC4}" type="datetimeFigureOut">
               <a:rPr lang="en-US" smtClean="0"/>
-              <a:t>10/8/25</a:t>
+              <a:t>10/8/2025</a:t>
             </a:fld>
             <a:endParaRPr lang="en-US"/>
           </a:p>
@@ -6411,7 +6411,7 @@
           <a:p>
             <a:fld id="{5BCAD085-E8A6-8845-BD4E-CB4CCA059FC4}" type="datetimeFigureOut">
               <a:rPr lang="en-US" smtClean="0"/>
-              <a:t>10/8/25</a:t>
+              <a:t>10/8/2025</a:t>
             </a:fld>
             <a:endParaRPr lang="en-US"/>
           </a:p>
@@ -6805,7 +6805,7 @@
           <a:p>
             <a:fld id="{5BCAD085-E8A6-8845-BD4E-CB4CCA059FC4}" type="datetimeFigureOut">
               <a:rPr lang="en-US" smtClean="0"/>
-              <a:t>10/8/25</a:t>
+              <a:t>10/8/2025</a:t>
             </a:fld>
             <a:endParaRPr lang="en-US"/>
           </a:p>
@@ -7060,7 +7060,7 @@
           <a:p>
             <a:fld id="{5BCAD085-E8A6-8845-BD4E-CB4CCA059FC4}" type="datetimeFigureOut">
               <a:rPr lang="en-US" smtClean="0"/>
-              <a:t>10/8/25</a:t>
+              <a:t>10/8/2025</a:t>
             </a:fld>
             <a:endParaRPr lang="en-US"/>
           </a:p>
@@ -7320,7 +7320,7 @@
           <a:p>
             <a:fld id="{5BCAD085-E8A6-8845-BD4E-CB4CCA059FC4}" type="datetimeFigureOut">
               <a:rPr lang="en-US" smtClean="0"/>
-              <a:t>10/8/25</a:t>
+              <a:t>10/8/2025</a:t>
             </a:fld>
             <a:endParaRPr lang="en-US"/>
           </a:p>
@@ -7580,7 +7580,7 @@
           <a:p>
             <a:fld id="{5BCAD085-E8A6-8845-BD4E-CB4CCA059FC4}" type="datetimeFigureOut">
               <a:rPr lang="en-US" smtClean="0"/>
-              <a:t>10/8/25</a:t>
+              <a:t>10/8/2025</a:t>
             </a:fld>
             <a:endParaRPr lang="en-US"/>
           </a:p>
@@ -7907,7 +7907,7 @@
           <a:p>
             <a:fld id="{5BCAD085-E8A6-8845-BD4E-CB4CCA059FC4}" type="datetimeFigureOut">
               <a:rPr lang="en-US" smtClean="0"/>
-              <a:t>10/8/25</a:t>
+              <a:t>10/8/2025</a:t>
             </a:fld>
             <a:endParaRPr lang="en-US"/>
           </a:p>
@@ -8228,7 +8228,7 @@
           <a:p>
             <a:fld id="{5BCAD085-E8A6-8845-BD4E-CB4CCA059FC4}" type="datetimeFigureOut">
               <a:rPr lang="en-US" smtClean="0"/>
-              <a:t>10/8/25</a:t>
+              <a:t>10/8/2025</a:t>
             </a:fld>
             <a:endParaRPr lang="en-US"/>
           </a:p>
@@ -8683,7 +8683,7 @@
           <a:p>
             <a:fld id="{5BCAD085-E8A6-8845-BD4E-CB4CCA059FC4}" type="datetimeFigureOut">
               <a:rPr lang="en-US" smtClean="0"/>
-              <a:t>10/8/25</a:t>
+              <a:t>10/8/2025</a:t>
             </a:fld>
             <a:endParaRPr lang="en-US"/>
           </a:p>
@@ -8891,7 +8891,7 @@
           <a:p>
             <a:fld id="{5BCAD085-E8A6-8845-BD4E-CB4CCA059FC4}" type="datetimeFigureOut">
               <a:rPr lang="en-US" smtClean="0"/>
-              <a:t>10/8/25</a:t>
+              <a:t>10/8/2025</a:t>
             </a:fld>
             <a:endParaRPr lang="en-US"/>
           </a:p>
@@ -9066,7 +9066,7 @@
           <a:p>
             <a:fld id="{5BCAD085-E8A6-8845-BD4E-CB4CCA059FC4}" type="datetimeFigureOut">
               <a:rPr lang="en-US" smtClean="0"/>
-              <a:t>10/8/25</a:t>
+              <a:t>10/8/2025</a:t>
             </a:fld>
             <a:endParaRPr lang="en-US"/>
           </a:p>
@@ -9397,7 +9397,7 @@
           <a:p>
             <a:fld id="{5BCAD085-E8A6-8845-BD4E-CB4CCA059FC4}" type="datetimeFigureOut">
               <a:rPr lang="en-US" smtClean="0"/>
-              <a:t>10/8/25</a:t>
+              <a:t>10/8/2025</a:t>
             </a:fld>
             <a:endParaRPr lang="en-US"/>
           </a:p>
@@ -9740,7 +9740,7 @@
           <a:p>
             <a:fld id="{5BCAD085-E8A6-8845-BD4E-CB4CCA059FC4}" type="datetimeFigureOut">
               <a:rPr lang="en-US" smtClean="0"/>
-              <a:t>10/8/25</a:t>
+              <a:t>10/8/2025</a:t>
             </a:fld>
             <a:endParaRPr lang="en-US"/>
           </a:p>
@@ -11872,7 +11872,7 @@
           <a:p>
             <a:fld id="{5BCAD085-E8A6-8845-BD4E-CB4CCA059FC4}" type="datetimeFigureOut">
               <a:rPr lang="en-US" smtClean="0"/>
-              <a:t>10/8/25</a:t>
+              <a:t>10/8/2025</a:t>
             </a:fld>
             <a:endParaRPr lang="en-US"/>
           </a:p>
@@ -19093,17 +19093,10 @@
               <a:t>Reinforcement</a:t>
             </a:r>
             <a:r>
-              <a:rPr lang="nb-NO" dirty="0"/>
-              <a:t> Learning </a:t>
-            </a:r>
-            <a:r>
-              <a:rPr lang="nb-NO" dirty="0" err="1"/>
-              <a:t>layer</a:t>
-            </a:r>
-            <a:r>
-              <a:rPr lang="nb-NO" dirty="0"/>
-              <a:t>.</a:t>
-            </a:r>
+              <a:rPr lang="nb-NO"/>
+              <a:t> Learning.</a:t>
+            </a:r>
+            <a:endParaRPr lang="nb-NO" dirty="0"/>
           </a:p>
           <a:p>
             <a:r>
@@ -19523,8 +19516,8 @@
           </a:prstGeom>
         </p:spPr>
       </p:pic>
-      <mc:AlternateContent xmlns:mc="http://schemas.openxmlformats.org/markup-compatibility/2006">
-        <mc:Choice xmlns:p14="http://schemas.microsoft.com/office/powerpoint/2010/main" Requires="p14">
+      <mc:AlternateContent xmlns:mc="http://schemas.openxmlformats.org/markup-compatibility/2006" xmlns:p14="http://schemas.microsoft.com/office/powerpoint/2010/main">
+        <mc:Choice Requires="p14">
           <p:contentPart p14:bwMode="auto" r:id="rId5">
             <p14:nvContentPartPr>
               <p14:cNvPr id="34" name="Ink 33">
@@ -19543,7 +19536,7 @@
             </p14:xfrm>
           </p:contentPart>
         </mc:Choice>
-        <mc:Fallback>
+        <mc:Fallback xmlns="">
           <p:pic>
             <p:nvPicPr>
               <p:cNvPr id="34" name="Ink 33">
@@ -19574,8 +19567,8 @@
           </p:pic>
         </mc:Fallback>
       </mc:AlternateContent>
-      <mc:AlternateContent xmlns:mc="http://schemas.openxmlformats.org/markup-compatibility/2006">
-        <mc:Choice xmlns:p14="http://schemas.microsoft.com/office/powerpoint/2010/main" Requires="p14">
+      <mc:AlternateContent xmlns:mc="http://schemas.openxmlformats.org/markup-compatibility/2006" xmlns:p14="http://schemas.microsoft.com/office/powerpoint/2010/main">
+        <mc:Choice Requires="p14">
           <p:contentPart p14:bwMode="auto" r:id="rId7">
             <p14:nvContentPartPr>
               <p14:cNvPr id="37" name="Ink 36">
@@ -19594,7 +19587,7 @@
             </p14:xfrm>
           </p:contentPart>
         </mc:Choice>
-        <mc:Fallback>
+        <mc:Fallback xmlns="">
           <p:pic>
             <p:nvPicPr>
               <p:cNvPr id="37" name="Ink 36">
@@ -19625,8 +19618,8 @@
           </p:pic>
         </mc:Fallback>
       </mc:AlternateContent>
-      <mc:AlternateContent xmlns:mc="http://schemas.openxmlformats.org/markup-compatibility/2006">
-        <mc:Choice xmlns:p14="http://schemas.microsoft.com/office/powerpoint/2010/main" Requires="p14">
+      <mc:AlternateContent xmlns:mc="http://schemas.openxmlformats.org/markup-compatibility/2006" xmlns:p14="http://schemas.microsoft.com/office/powerpoint/2010/main">
+        <mc:Choice Requires="p14">
           <p:contentPart p14:bwMode="auto" r:id="rId9">
             <p14:nvContentPartPr>
               <p14:cNvPr id="39" name="Ink 38">
@@ -19645,7 +19638,7 @@
             </p14:xfrm>
           </p:contentPart>
         </mc:Choice>
-        <mc:Fallback>
+        <mc:Fallback xmlns="">
           <p:pic>
             <p:nvPicPr>
               <p:cNvPr id="39" name="Ink 38">

--- a/files/minh.pptx
+++ b/files/minh.pptx
@@ -5,7 +5,7 @@
     <p:sldMasterId id="2147483660" r:id="rId1"/>
   </p:sldMasterIdLst>
   <p:notesMasterIdLst>
-    <p:notesMasterId r:id="rId18"/>
+    <p:notesMasterId r:id="rId19"/>
   </p:notesMasterIdLst>
   <p:sldIdLst>
     <p:sldId id="264" r:id="rId2"/>
@@ -21,9 +21,10 @@
     <p:sldId id="280" r:id="rId12"/>
     <p:sldId id="278" r:id="rId13"/>
     <p:sldId id="279" r:id="rId14"/>
-    <p:sldId id="276" r:id="rId15"/>
-    <p:sldId id="277" r:id="rId16"/>
-    <p:sldId id="270" r:id="rId17"/>
+    <p:sldId id="286" r:id="rId15"/>
+    <p:sldId id="276" r:id="rId16"/>
+    <p:sldId id="277" r:id="rId17"/>
+    <p:sldId id="270" r:id="rId18"/>
   </p:sldIdLst>
   <p:sldSz cx="9144000" cy="6858000" type="screen4x3"/>
   <p:notesSz cx="6858000" cy="9144000"/>
@@ -4737,7 +4738,7 @@
           <a:p>
             <a:fld id="{0EE0EC82-364E-49E6-AADE-097AF8AA60ED}" type="slidenum">
               <a:rPr lang="en-US" smtClean="0"/>
-              <a:t>14</a:t>
+              <a:t>15</a:t>
             </a:fld>
             <a:endParaRPr lang="en-US"/>
           </a:p>
@@ -4821,7 +4822,7 @@
           <a:p>
             <a:fld id="{0EE0EC82-364E-49E6-AADE-097AF8AA60ED}" type="slidenum">
               <a:rPr lang="en-US" smtClean="0"/>
-              <a:t>16</a:t>
+              <a:t>17</a:t>
             </a:fld>
             <a:endParaRPr lang="en-US"/>
           </a:p>
@@ -12622,7 +12623,7 @@
             </a:pPr>
             <a:r>
               <a:rPr lang="en-US" sz="2800" b="1" dirty="0"/>
-              <a:t>UI proposal </a:t>
+              <a:t>II.1a. UI proposal </a:t>
             </a:r>
             <a:r>
               <a:rPr lang="en-US" sz="2800" dirty="0"/>
@@ -13402,7 +13403,7 @@
         </p:spPr>
         <p:txBody>
           <a:bodyPr vert="horz" lIns="91440" tIns="45720" rIns="91440" bIns="45720" rtlCol="0" anchor="t">
-            <a:normAutofit fontScale="77500" lnSpcReduction="20000"/>
+            <a:normAutofit fontScale="70000" lnSpcReduction="20000"/>
           </a:bodyPr>
           <a:lstStyle>
             <a:lvl1pPr algn="l" defTabSz="457200" rtl="0" eaLnBrk="1" latinLnBrk="0" hangingPunct="1">
@@ -13487,6 +13488,10 @@
                 </a:solidFill>
               </a:defRPr>
             </a:pPr>
+            <a:r>
+              <a:rPr lang="en-US" b="1" dirty="0"/>
+              <a:t>II.1b. </a:t>
+            </a:r>
             <a:r>
               <a:rPr lang="en-VN" b="1" dirty="0"/>
               <a:t>Frontend and backend database, tools</a:t>
@@ -14096,7 +14101,7 @@
         </p:spPr>
         <p:txBody>
           <a:bodyPr vert="horz" lIns="91440" tIns="45720" rIns="91440" bIns="45720" rtlCol="0" anchor="t">
-            <a:normAutofit fontScale="77500" lnSpcReduction="20000"/>
+            <a:normAutofit fontScale="70000" lnSpcReduction="20000"/>
           </a:bodyPr>
           <a:lstStyle>
             <a:lvl1pPr algn="l" defTabSz="457200" rtl="0" eaLnBrk="1" latinLnBrk="0" hangingPunct="1">
@@ -14183,7 +14188,7 @@
             </a:pPr>
             <a:r>
               <a:rPr lang="en-US" b="1" dirty="0"/>
-              <a:t>Ensure usability and user management</a:t>
+              <a:t>II.2. Ensure usability and user management</a:t>
             </a:r>
             <a:endParaRPr lang="en-US" b="1" dirty="0">
               <a:solidFill>
@@ -15109,7 +15114,7 @@
             </a:pPr>
             <a:r>
               <a:rPr lang="nb-NO" b="1" dirty="0"/>
-              <a:t>Challenges </a:t>
+              <a:t>III.1. Challenges </a:t>
             </a:r>
             <a:r>
               <a:rPr lang="en-US" b="1" dirty="0"/>
@@ -15145,6 +15150,689 @@
 </file>
 
 <file path=ppt/slides/slide14.xml><?xml version="1.0" encoding="utf-8"?>
+<p:sld xmlns:a="http://schemas.openxmlformats.org/drawingml/2006/main" xmlns:r="http://schemas.openxmlformats.org/officeDocument/2006/relationships" xmlns:p="http://schemas.openxmlformats.org/presentationml/2006/main">
+  <p:cSld>
+    <p:spTree>
+      <p:nvGrpSpPr>
+        <p:cNvPr id="1" name=""/>
+        <p:cNvGrpSpPr/>
+        <p:nvPr/>
+      </p:nvGrpSpPr>
+      <p:grpSpPr>
+        <a:xfrm>
+          <a:off x="0" y="0"/>
+          <a:ext cx="0" cy="0"/>
+          <a:chOff x="0" y="0"/>
+          <a:chExt cx="0" cy="0"/>
+        </a:xfrm>
+      </p:grpSpPr>
+      <p:graphicFrame>
+        <p:nvGraphicFramePr>
+          <p:cNvPr id="5" name="Plassholder for innhold 4">
+            <a:extLst>
+              <a:ext uri="{FF2B5EF4-FFF2-40B4-BE49-F238E27FC236}">
+                <a16:creationId xmlns:a16="http://schemas.microsoft.com/office/drawing/2014/main" id="{BF9791E3-EAFE-4F3F-BF55-0F8729944822}"/>
+              </a:ext>
+            </a:extLst>
+          </p:cNvPr>
+          <p:cNvGraphicFramePr>
+            <a:graphicFrameLocks noGrp="1"/>
+          </p:cNvGraphicFramePr>
+          <p:nvPr>
+            <p:ph idx="1"/>
+            <p:extLst>
+              <p:ext uri="{D42A27DB-BD31-4B8C-83A1-F6EECF244321}">
+                <p14:modId xmlns:p14="http://schemas.microsoft.com/office/powerpoint/2010/main" val="3112220800"/>
+              </p:ext>
+            </p:extLst>
+          </p:nvPr>
+        </p:nvGraphicFramePr>
+        <p:xfrm>
+          <a:off x="595951" y="1801504"/>
+          <a:ext cx="8425218" cy="3174603"/>
+        </p:xfrm>
+        <a:graphic>
+          <a:graphicData uri="http://schemas.openxmlformats.org/drawingml/2006/table">
+            <a:tbl>
+              <a:tblPr firstRow="1" firstCol="1" bandRow="1">
+                <a:tableStyleId>{5C22544A-7EE6-4342-B048-85BDC9FD1C3A}</a:tableStyleId>
+              </a:tblPr>
+              <a:tblGrid>
+                <a:gridCol w="1592239">
+                  <a:extLst>
+                    <a:ext uri="{9D8B030D-6E8A-4147-A177-3AD203B41FA5}">
+                      <a16:colId xmlns:a16="http://schemas.microsoft.com/office/drawing/2014/main" val="3350490736"/>
+                    </a:ext>
+                  </a:extLst>
+                </a:gridCol>
+                <a:gridCol w="2815989">
+                  <a:extLst>
+                    <a:ext uri="{9D8B030D-6E8A-4147-A177-3AD203B41FA5}">
+                      <a16:colId xmlns:a16="http://schemas.microsoft.com/office/drawing/2014/main" val="2677917875"/>
+                    </a:ext>
+                  </a:extLst>
+                </a:gridCol>
+                <a:gridCol w="4016990">
+                  <a:extLst>
+                    <a:ext uri="{9D8B030D-6E8A-4147-A177-3AD203B41FA5}">
+                      <a16:colId xmlns:a16="http://schemas.microsoft.com/office/drawing/2014/main" val="674179994"/>
+                    </a:ext>
+                  </a:extLst>
+                </a:gridCol>
+              </a:tblGrid>
+              <a:tr h="356943">
+                <a:tc>
+                  <a:txBody>
+                    <a:bodyPr/>
+                    <a:lstStyle/>
+                    <a:p>
+                      <a:pPr algn="ctr">
+                        <a:lnSpc>
+                          <a:spcPct val="107000"/>
+                        </a:lnSpc>
+                      </a:pPr>
+                      <a:r>
+                        <a:rPr lang="nb-NO" sz="2000" b="1" kern="100" dirty="0" err="1">
+                          <a:effectLst/>
+                          <a:latin typeface="Times New Roman" panose="02020603050405020304" pitchFamily="18" charset="0"/>
+                          <a:ea typeface="Times New Roman" panose="02020603050405020304" pitchFamily="18" charset="0"/>
+                          <a:cs typeface="Times New Roman" panose="02020603050405020304" pitchFamily="18" charset="0"/>
+                        </a:rPr>
+                        <a:t>Domain</a:t>
+                      </a:r>
+                      <a:endParaRPr lang="nb-NO" sz="2000" kern="100" dirty="0">
+                        <a:effectLst/>
+                        <a:latin typeface="Times New Roman" panose="02020603050405020304" pitchFamily="18" charset="0"/>
+                        <a:ea typeface="Times New Roman" panose="02020603050405020304" pitchFamily="18" charset="0"/>
+                        <a:cs typeface="Times New Roman" panose="02020603050405020304" pitchFamily="18" charset="0"/>
+                      </a:endParaRPr>
+                    </a:p>
+                  </a:txBody>
+                  <a:tcPr marL="9525" marR="9525" marT="9525" marB="9525" anchor="ctr"/>
+                </a:tc>
+                <a:tc>
+                  <a:txBody>
+                    <a:bodyPr/>
+                    <a:lstStyle/>
+                    <a:p>
+                      <a:pPr algn="ctr">
+                        <a:lnSpc>
+                          <a:spcPct val="107000"/>
+                        </a:lnSpc>
+                      </a:pPr>
+                      <a:r>
+                        <a:rPr lang="nb-NO" sz="2000" b="1" kern="100">
+                          <a:effectLst/>
+                          <a:latin typeface="Times New Roman" panose="02020603050405020304" pitchFamily="18" charset="0"/>
+                          <a:ea typeface="Times New Roman" panose="02020603050405020304" pitchFamily="18" charset="0"/>
+                          <a:cs typeface="Times New Roman" panose="02020603050405020304" pitchFamily="18" charset="0"/>
+                        </a:rPr>
+                        <a:t>Core Strategy</a:t>
+                      </a:r>
+                      <a:endParaRPr lang="nb-NO" sz="2000" kern="100">
+                        <a:effectLst/>
+                        <a:latin typeface="Times New Roman" panose="02020603050405020304" pitchFamily="18" charset="0"/>
+                        <a:ea typeface="Times New Roman" panose="02020603050405020304" pitchFamily="18" charset="0"/>
+                        <a:cs typeface="Times New Roman" panose="02020603050405020304" pitchFamily="18" charset="0"/>
+                      </a:endParaRPr>
+                    </a:p>
+                  </a:txBody>
+                  <a:tcPr marL="9525" marR="9525" marT="9525" marB="9525" anchor="ctr"/>
+                </a:tc>
+                <a:tc>
+                  <a:txBody>
+                    <a:bodyPr/>
+                    <a:lstStyle/>
+                    <a:p>
+                      <a:pPr algn="ctr">
+                        <a:lnSpc>
+                          <a:spcPct val="107000"/>
+                        </a:lnSpc>
+                      </a:pPr>
+                      <a:r>
+                        <a:rPr lang="nb-NO" sz="2000" b="1" kern="100">
+                          <a:effectLst/>
+                          <a:latin typeface="Times New Roman" panose="02020603050405020304" pitchFamily="18" charset="0"/>
+                          <a:ea typeface="Times New Roman" panose="02020603050405020304" pitchFamily="18" charset="0"/>
+                          <a:cs typeface="Times New Roman" panose="02020603050405020304" pitchFamily="18" charset="0"/>
+                        </a:rPr>
+                        <a:t>Implementation Example</a:t>
+                      </a:r>
+                      <a:endParaRPr lang="nb-NO" sz="2000" kern="100">
+                        <a:effectLst/>
+                        <a:latin typeface="Times New Roman" panose="02020603050405020304" pitchFamily="18" charset="0"/>
+                        <a:ea typeface="Times New Roman" panose="02020603050405020304" pitchFamily="18" charset="0"/>
+                        <a:cs typeface="Times New Roman" panose="02020603050405020304" pitchFamily="18" charset="0"/>
+                      </a:endParaRPr>
+                    </a:p>
+                  </a:txBody>
+                  <a:tcPr marL="9525" marR="9525" marT="9525" marB="9525" anchor="ctr"/>
+                </a:tc>
+                <a:extLst>
+                  <a:ext uri="{0D108BD9-81ED-4DB2-BD59-A6C34878D82A}">
+                    <a16:rowId xmlns:a16="http://schemas.microsoft.com/office/drawing/2014/main" val="1351006812"/>
+                  </a:ext>
+                </a:extLst>
+              </a:tr>
+              <a:tr h="704415">
+                <a:tc>
+                  <a:txBody>
+                    <a:bodyPr/>
+                    <a:lstStyle/>
+                    <a:p>
+                      <a:pPr>
+                        <a:lnSpc>
+                          <a:spcPct val="107000"/>
+                        </a:lnSpc>
+                      </a:pPr>
+                      <a:r>
+                        <a:rPr lang="nb-NO" sz="2000" kern="100">
+                          <a:effectLst/>
+                          <a:latin typeface="Times New Roman" panose="02020603050405020304" pitchFamily="18" charset="0"/>
+                          <a:ea typeface="Times New Roman" panose="02020603050405020304" pitchFamily="18" charset="0"/>
+                          <a:cs typeface="Times New Roman" panose="02020603050405020304" pitchFamily="18" charset="0"/>
+                        </a:rPr>
+                        <a:t>Security</a:t>
+                      </a:r>
+                    </a:p>
+                  </a:txBody>
+                  <a:tcPr marL="9525" marR="9525" marT="9525" marB="9525" anchor="ctr"/>
+                </a:tc>
+                <a:tc>
+                  <a:txBody>
+                    <a:bodyPr/>
+                    <a:lstStyle/>
+                    <a:p>
+                      <a:pPr>
+                        <a:lnSpc>
+                          <a:spcPct val="107000"/>
+                        </a:lnSpc>
+                      </a:pPr>
+                      <a:r>
+                        <a:rPr lang="nb-NO" sz="2000" kern="100">
+                          <a:effectLst/>
+                          <a:latin typeface="Times New Roman" panose="02020603050405020304" pitchFamily="18" charset="0"/>
+                          <a:ea typeface="Times New Roman" panose="02020603050405020304" pitchFamily="18" charset="0"/>
+                          <a:cs typeface="Times New Roman" panose="02020603050405020304" pitchFamily="18" charset="0"/>
+                        </a:rPr>
+                        <a:t>Multi-layer protection</a:t>
+                      </a:r>
+                    </a:p>
+                  </a:txBody>
+                  <a:tcPr marL="9525" marR="9525" marT="9525" marB="9525" anchor="ctr"/>
+                </a:tc>
+                <a:tc>
+                  <a:txBody>
+                    <a:bodyPr/>
+                    <a:lstStyle/>
+                    <a:p>
+                      <a:pPr>
+                        <a:lnSpc>
+                          <a:spcPct val="107000"/>
+                        </a:lnSpc>
+                      </a:pPr>
+                      <a:r>
+                        <a:rPr lang="en-US" sz="2000" kern="100">
+                          <a:effectLst/>
+                          <a:latin typeface="Times New Roman" panose="02020603050405020304" pitchFamily="18" charset="0"/>
+                          <a:ea typeface="Times New Roman" panose="02020603050405020304" pitchFamily="18" charset="0"/>
+                          <a:cs typeface="Times New Roman" panose="02020603050405020304" pitchFamily="18" charset="0"/>
+                        </a:rPr>
+                        <a:t>TLS, RBAC, signed OTA updates</a:t>
+                      </a:r>
+                      <a:endParaRPr lang="nb-NO" sz="2000" kern="100">
+                        <a:effectLst/>
+                        <a:latin typeface="Times New Roman" panose="02020603050405020304" pitchFamily="18" charset="0"/>
+                        <a:ea typeface="Times New Roman" panose="02020603050405020304" pitchFamily="18" charset="0"/>
+                        <a:cs typeface="Times New Roman" panose="02020603050405020304" pitchFamily="18" charset="0"/>
+                      </a:endParaRPr>
+                    </a:p>
+                  </a:txBody>
+                  <a:tcPr marL="9525" marR="9525" marT="9525" marB="9525" anchor="ctr"/>
+                </a:tc>
+                <a:extLst>
+                  <a:ext uri="{0D108BD9-81ED-4DB2-BD59-A6C34878D82A}">
+                    <a16:rowId xmlns:a16="http://schemas.microsoft.com/office/drawing/2014/main" val="4268120649"/>
+                  </a:ext>
+                </a:extLst>
+              </a:tr>
+              <a:tr h="704415">
+                <a:tc>
+                  <a:txBody>
+                    <a:bodyPr/>
+                    <a:lstStyle/>
+                    <a:p>
+                      <a:pPr>
+                        <a:lnSpc>
+                          <a:spcPct val="107000"/>
+                        </a:lnSpc>
+                      </a:pPr>
+                      <a:r>
+                        <a:rPr lang="nb-NO" sz="2000" kern="100">
+                          <a:effectLst/>
+                          <a:latin typeface="Times New Roman" panose="02020603050405020304" pitchFamily="18" charset="0"/>
+                          <a:ea typeface="Times New Roman" panose="02020603050405020304" pitchFamily="18" charset="0"/>
+                          <a:cs typeface="Times New Roman" panose="02020603050405020304" pitchFamily="18" charset="0"/>
+                        </a:rPr>
+                        <a:t>Privacy</a:t>
+                      </a:r>
+                    </a:p>
+                  </a:txBody>
+                  <a:tcPr marL="9525" marR="9525" marT="9525" marB="9525" anchor="ctr"/>
+                </a:tc>
+                <a:tc>
+                  <a:txBody>
+                    <a:bodyPr/>
+                    <a:lstStyle/>
+                    <a:p>
+                      <a:pPr>
+                        <a:lnSpc>
+                          <a:spcPct val="107000"/>
+                        </a:lnSpc>
+                      </a:pPr>
+                      <a:r>
+                        <a:rPr lang="nb-NO" sz="2000" kern="100">
+                          <a:effectLst/>
+                          <a:latin typeface="Times New Roman" panose="02020603050405020304" pitchFamily="18" charset="0"/>
+                          <a:ea typeface="Times New Roman" panose="02020603050405020304" pitchFamily="18" charset="0"/>
+                          <a:cs typeface="Times New Roman" panose="02020603050405020304" pitchFamily="18" charset="0"/>
+                        </a:rPr>
+                        <a:t>Data minimization &amp; consent</a:t>
+                      </a:r>
+                    </a:p>
+                  </a:txBody>
+                  <a:tcPr marL="9525" marR="9525" marT="9525" marB="9525" anchor="ctr"/>
+                </a:tc>
+                <a:tc>
+                  <a:txBody>
+                    <a:bodyPr/>
+                    <a:lstStyle/>
+                    <a:p>
+                      <a:pPr>
+                        <a:lnSpc>
+                          <a:spcPct val="107000"/>
+                        </a:lnSpc>
+                      </a:pPr>
+                      <a:r>
+                        <a:rPr lang="nb-NO" sz="2000" kern="100">
+                          <a:effectLst/>
+                          <a:latin typeface="Times New Roman" panose="02020603050405020304" pitchFamily="18" charset="0"/>
+                          <a:ea typeface="Times New Roman" panose="02020603050405020304" pitchFamily="18" charset="0"/>
+                          <a:cs typeface="Times New Roman" panose="02020603050405020304" pitchFamily="18" charset="0"/>
+                        </a:rPr>
+                        <a:t>Edge computation, GDPR tools</a:t>
+                      </a:r>
+                    </a:p>
+                  </a:txBody>
+                  <a:tcPr marL="9525" marR="9525" marT="9525" marB="9525" anchor="ctr"/>
+                </a:tc>
+                <a:extLst>
+                  <a:ext uri="{0D108BD9-81ED-4DB2-BD59-A6C34878D82A}">
+                    <a16:rowId xmlns:a16="http://schemas.microsoft.com/office/drawing/2014/main" val="1014310912"/>
+                  </a:ext>
+                </a:extLst>
+              </a:tr>
+              <a:tr h="704415">
+                <a:tc>
+                  <a:txBody>
+                    <a:bodyPr/>
+                    <a:lstStyle/>
+                    <a:p>
+                      <a:pPr>
+                        <a:lnSpc>
+                          <a:spcPct val="107000"/>
+                        </a:lnSpc>
+                      </a:pPr>
+                      <a:r>
+                        <a:rPr lang="nb-NO" sz="2000" kern="100">
+                          <a:effectLst/>
+                          <a:latin typeface="Times New Roman" panose="02020603050405020304" pitchFamily="18" charset="0"/>
+                          <a:ea typeface="Times New Roman" panose="02020603050405020304" pitchFamily="18" charset="0"/>
+                          <a:cs typeface="Times New Roman" panose="02020603050405020304" pitchFamily="18" charset="0"/>
+                        </a:rPr>
+                        <a:t>User Preferences</a:t>
+                      </a:r>
+                    </a:p>
+                  </a:txBody>
+                  <a:tcPr marL="9525" marR="9525" marT="9525" marB="9525" anchor="ctr"/>
+                </a:tc>
+                <a:tc>
+                  <a:txBody>
+                    <a:bodyPr/>
+                    <a:lstStyle/>
+                    <a:p>
+                      <a:pPr>
+                        <a:lnSpc>
+                          <a:spcPct val="107000"/>
+                        </a:lnSpc>
+                      </a:pPr>
+                      <a:r>
+                        <a:rPr lang="en-US" sz="2000" kern="100">
+                          <a:effectLst/>
+                          <a:latin typeface="Times New Roman" panose="02020603050405020304" pitchFamily="18" charset="0"/>
+                          <a:ea typeface="Times New Roman" panose="02020603050405020304" pitchFamily="18" charset="0"/>
+                          <a:cs typeface="Times New Roman" panose="02020603050405020304" pitchFamily="18" charset="0"/>
+                        </a:rPr>
+                        <a:t>Adaptive AI with manual control</a:t>
+                      </a:r>
+                      <a:endParaRPr lang="nb-NO" sz="2000" kern="100">
+                        <a:effectLst/>
+                        <a:latin typeface="Times New Roman" panose="02020603050405020304" pitchFamily="18" charset="0"/>
+                        <a:ea typeface="Times New Roman" panose="02020603050405020304" pitchFamily="18" charset="0"/>
+                        <a:cs typeface="Times New Roman" panose="02020603050405020304" pitchFamily="18" charset="0"/>
+                      </a:endParaRPr>
+                    </a:p>
+                  </a:txBody>
+                  <a:tcPr marL="9525" marR="9525" marT="9525" marB="9525" anchor="ctr"/>
+                </a:tc>
+                <a:tc>
+                  <a:txBody>
+                    <a:bodyPr/>
+                    <a:lstStyle/>
+                    <a:p>
+                      <a:pPr>
+                        <a:lnSpc>
+                          <a:spcPct val="107000"/>
+                        </a:lnSpc>
+                      </a:pPr>
+                      <a:r>
+                        <a:rPr lang="nb-NO" sz="2000" kern="100">
+                          <a:effectLst/>
+                          <a:latin typeface="Times New Roman" panose="02020603050405020304" pitchFamily="18" charset="0"/>
+                          <a:ea typeface="Times New Roman" panose="02020603050405020304" pitchFamily="18" charset="0"/>
+                          <a:cs typeface="Times New Roman" panose="02020603050405020304" pitchFamily="18" charset="0"/>
+                        </a:rPr>
+                        <a:t>Personalized comfort profiles</a:t>
+                      </a:r>
+                    </a:p>
+                  </a:txBody>
+                  <a:tcPr marL="9525" marR="9525" marT="9525" marB="9525" anchor="ctr"/>
+                </a:tc>
+                <a:extLst>
+                  <a:ext uri="{0D108BD9-81ED-4DB2-BD59-A6C34878D82A}">
+                    <a16:rowId xmlns:a16="http://schemas.microsoft.com/office/drawing/2014/main" val="1445466883"/>
+                  </a:ext>
+                </a:extLst>
+              </a:tr>
+              <a:tr h="704415">
+                <a:tc>
+                  <a:txBody>
+                    <a:bodyPr/>
+                    <a:lstStyle/>
+                    <a:p>
+                      <a:pPr>
+                        <a:lnSpc>
+                          <a:spcPct val="107000"/>
+                        </a:lnSpc>
+                      </a:pPr>
+                      <a:r>
+                        <a:rPr lang="nb-NO" sz="2000" kern="100">
+                          <a:effectLst/>
+                          <a:latin typeface="Times New Roman" panose="02020603050405020304" pitchFamily="18" charset="0"/>
+                          <a:ea typeface="Times New Roman" panose="02020603050405020304" pitchFamily="18" charset="0"/>
+                          <a:cs typeface="Times New Roman" panose="02020603050405020304" pitchFamily="18" charset="0"/>
+                        </a:rPr>
+                        <a:t>Reliability</a:t>
+                      </a:r>
+                    </a:p>
+                  </a:txBody>
+                  <a:tcPr marL="9525" marR="9525" marT="9525" marB="9525" anchor="ctr"/>
+                </a:tc>
+                <a:tc>
+                  <a:txBody>
+                    <a:bodyPr/>
+                    <a:lstStyle/>
+                    <a:p>
+                      <a:pPr>
+                        <a:lnSpc>
+                          <a:spcPct val="107000"/>
+                        </a:lnSpc>
+                      </a:pPr>
+                      <a:r>
+                        <a:rPr lang="nb-NO" sz="2000" kern="100" dirty="0">
+                          <a:effectLst/>
+                          <a:latin typeface="Times New Roman" panose="02020603050405020304" pitchFamily="18" charset="0"/>
+                          <a:ea typeface="Times New Roman" panose="02020603050405020304" pitchFamily="18" charset="0"/>
+                          <a:cs typeface="Times New Roman" panose="02020603050405020304" pitchFamily="18" charset="0"/>
+                        </a:rPr>
+                        <a:t>Redundant &amp; </a:t>
+                      </a:r>
+                      <a:r>
+                        <a:rPr lang="nb-NO" sz="2000" kern="100" dirty="0" err="1">
+                          <a:effectLst/>
+                          <a:latin typeface="Times New Roman" panose="02020603050405020304" pitchFamily="18" charset="0"/>
+                          <a:ea typeface="Times New Roman" panose="02020603050405020304" pitchFamily="18" charset="0"/>
+                          <a:cs typeface="Times New Roman" panose="02020603050405020304" pitchFamily="18" charset="0"/>
+                        </a:rPr>
+                        <a:t>autonomous</a:t>
+                      </a:r>
+                      <a:r>
+                        <a:rPr lang="nb-NO" sz="2000" kern="100" dirty="0">
+                          <a:effectLst/>
+                          <a:latin typeface="Times New Roman" panose="02020603050405020304" pitchFamily="18" charset="0"/>
+                          <a:ea typeface="Times New Roman" panose="02020603050405020304" pitchFamily="18" charset="0"/>
+                          <a:cs typeface="Times New Roman" panose="02020603050405020304" pitchFamily="18" charset="0"/>
+                        </a:rPr>
+                        <a:t> systems</a:t>
+                      </a:r>
+                    </a:p>
+                  </a:txBody>
+                  <a:tcPr marL="9525" marR="9525" marT="9525" marB="9525" anchor="ctr"/>
+                </a:tc>
+                <a:tc>
+                  <a:txBody>
+                    <a:bodyPr/>
+                    <a:lstStyle/>
+                    <a:p>
+                      <a:pPr>
+                        <a:lnSpc>
+                          <a:spcPct val="107000"/>
+                        </a:lnSpc>
+                      </a:pPr>
+                      <a:r>
+                        <a:rPr lang="nb-NO" sz="2000" kern="100" dirty="0">
+                          <a:effectLst/>
+                          <a:latin typeface="Times New Roman" panose="02020603050405020304" pitchFamily="18" charset="0"/>
+                          <a:ea typeface="Times New Roman" panose="02020603050405020304" pitchFamily="18" charset="0"/>
+                          <a:cs typeface="Times New Roman" panose="02020603050405020304" pitchFamily="18" charset="0"/>
+                        </a:rPr>
+                        <a:t>Edge fallback, </a:t>
+                      </a:r>
+                      <a:r>
+                        <a:rPr lang="nb-NO" sz="2000" kern="100" dirty="0" err="1">
+                          <a:effectLst/>
+                          <a:latin typeface="Times New Roman" panose="02020603050405020304" pitchFamily="18" charset="0"/>
+                          <a:ea typeface="Times New Roman" panose="02020603050405020304" pitchFamily="18" charset="0"/>
+                          <a:cs typeface="Times New Roman" panose="02020603050405020304" pitchFamily="18" charset="0"/>
+                        </a:rPr>
+                        <a:t>predictive</a:t>
+                      </a:r>
+                      <a:r>
+                        <a:rPr lang="nb-NO" sz="2000" kern="100" dirty="0">
+                          <a:effectLst/>
+                          <a:latin typeface="Times New Roman" panose="02020603050405020304" pitchFamily="18" charset="0"/>
+                          <a:ea typeface="Times New Roman" panose="02020603050405020304" pitchFamily="18" charset="0"/>
+                          <a:cs typeface="Times New Roman" panose="02020603050405020304" pitchFamily="18" charset="0"/>
+                        </a:rPr>
+                        <a:t> </a:t>
+                      </a:r>
+                      <a:r>
+                        <a:rPr lang="nb-NO" sz="2000" kern="100" dirty="0" err="1">
+                          <a:effectLst/>
+                          <a:latin typeface="Times New Roman" panose="02020603050405020304" pitchFamily="18" charset="0"/>
+                          <a:ea typeface="Times New Roman" panose="02020603050405020304" pitchFamily="18" charset="0"/>
+                          <a:cs typeface="Times New Roman" panose="02020603050405020304" pitchFamily="18" charset="0"/>
+                        </a:rPr>
+                        <a:t>maintenance</a:t>
+                      </a:r>
+                      <a:endParaRPr lang="nb-NO" sz="2000" kern="100" dirty="0">
+                        <a:effectLst/>
+                        <a:latin typeface="Times New Roman" panose="02020603050405020304" pitchFamily="18" charset="0"/>
+                        <a:ea typeface="Times New Roman" panose="02020603050405020304" pitchFamily="18" charset="0"/>
+                        <a:cs typeface="Times New Roman" panose="02020603050405020304" pitchFamily="18" charset="0"/>
+                      </a:endParaRPr>
+                    </a:p>
+                  </a:txBody>
+                  <a:tcPr marL="9525" marR="9525" marT="9525" marB="9525" anchor="ctr"/>
+                </a:tc>
+                <a:extLst>
+                  <a:ext uri="{0D108BD9-81ED-4DB2-BD59-A6C34878D82A}">
+                    <a16:rowId xmlns:a16="http://schemas.microsoft.com/office/drawing/2014/main" val="4234734245"/>
+                  </a:ext>
+                </a:extLst>
+              </a:tr>
+            </a:tbl>
+          </a:graphicData>
+        </a:graphic>
+      </p:graphicFrame>
+      <p:sp>
+        <p:nvSpPr>
+          <p:cNvPr id="4" name="Title 1">
+            <a:extLst>
+              <a:ext uri="{FF2B5EF4-FFF2-40B4-BE49-F238E27FC236}">
+                <a16:creationId xmlns:a16="http://schemas.microsoft.com/office/drawing/2014/main" id="{19018F55-AEC8-4365-B95D-3EBAB80EEF45}"/>
+              </a:ext>
+            </a:extLst>
+          </p:cNvPr>
+          <p:cNvSpPr txBox="1">
+            <a:spLocks/>
+          </p:cNvSpPr>
+          <p:nvPr/>
+        </p:nvSpPr>
+        <p:spPr>
+          <a:xfrm>
+            <a:off x="1267075" y="606867"/>
+            <a:ext cx="8304556" cy="723169"/>
+          </a:xfrm>
+          <a:prstGeom prst="rect">
+            <a:avLst/>
+          </a:prstGeom>
+        </p:spPr>
+        <p:txBody>
+          <a:bodyPr vert="horz" lIns="91440" tIns="45720" rIns="91440" bIns="45720" rtlCol="0" anchor="t">
+            <a:noAutofit/>
+          </a:bodyPr>
+          <a:lstStyle>
+            <a:lvl1pPr algn="l" defTabSz="457200" rtl="0" eaLnBrk="1" latinLnBrk="0" hangingPunct="1">
+              <a:spcBef>
+                <a:spcPct val="0"/>
+              </a:spcBef>
+              <a:buNone/>
+              <a:defRPr sz="3600" kern="1200">
+                <a:solidFill>
+                  <a:schemeClr val="tx1">
+                    <a:lumMod val="85000"/>
+                    <a:lumOff val="15000"/>
+                  </a:schemeClr>
+                </a:solidFill>
+                <a:latin typeface="+mj-lt"/>
+                <a:ea typeface="+mj-ea"/>
+                <a:cs typeface="+mj-cs"/>
+              </a:defRPr>
+            </a:lvl1pPr>
+            <a:lvl2pPr eaLnBrk="1" hangingPunct="1">
+              <a:defRPr>
+                <a:solidFill>
+                  <a:schemeClr val="tx2"/>
+                </a:solidFill>
+              </a:defRPr>
+            </a:lvl2pPr>
+            <a:lvl3pPr eaLnBrk="1" hangingPunct="1">
+              <a:defRPr>
+                <a:solidFill>
+                  <a:schemeClr val="tx2"/>
+                </a:solidFill>
+              </a:defRPr>
+            </a:lvl3pPr>
+            <a:lvl4pPr eaLnBrk="1" hangingPunct="1">
+              <a:defRPr>
+                <a:solidFill>
+                  <a:schemeClr val="tx2"/>
+                </a:solidFill>
+              </a:defRPr>
+            </a:lvl4pPr>
+            <a:lvl5pPr eaLnBrk="1" hangingPunct="1">
+              <a:defRPr>
+                <a:solidFill>
+                  <a:schemeClr val="tx2"/>
+                </a:solidFill>
+              </a:defRPr>
+            </a:lvl5pPr>
+            <a:lvl6pPr eaLnBrk="1" hangingPunct="1">
+              <a:defRPr>
+                <a:solidFill>
+                  <a:schemeClr val="tx2"/>
+                </a:solidFill>
+              </a:defRPr>
+            </a:lvl6pPr>
+            <a:lvl7pPr eaLnBrk="1" hangingPunct="1">
+              <a:defRPr>
+                <a:solidFill>
+                  <a:schemeClr val="tx2"/>
+                </a:solidFill>
+              </a:defRPr>
+            </a:lvl7pPr>
+            <a:lvl8pPr eaLnBrk="1" hangingPunct="1">
+              <a:defRPr>
+                <a:solidFill>
+                  <a:schemeClr val="tx2"/>
+                </a:solidFill>
+              </a:defRPr>
+            </a:lvl8pPr>
+            <a:lvl9pPr eaLnBrk="1" hangingPunct="1">
+              <a:defRPr>
+                <a:solidFill>
+                  <a:schemeClr val="tx2"/>
+                </a:solidFill>
+              </a:defRPr>
+            </a:lvl9pPr>
+          </a:lstStyle>
+          <a:p>
+            <a:pPr>
+              <a:defRPr>
+                <a:solidFill>
+                  <a:srgbClr val="0066CC"/>
+                </a:solidFill>
+              </a:defRPr>
+            </a:pPr>
+            <a:r>
+              <a:rPr lang="nb-NO" sz="2200" b="1" dirty="0"/>
+              <a:t>III.2. Challenges </a:t>
+            </a:r>
+            <a:r>
+              <a:rPr lang="en-US" sz="2200" b="1" dirty="0"/>
+              <a:t>&amp; considerations</a:t>
+            </a:r>
+          </a:p>
+          <a:p>
+            <a:pPr>
+              <a:defRPr>
+                <a:solidFill>
+                  <a:srgbClr val="0066CC"/>
+                </a:solidFill>
+              </a:defRPr>
+            </a:pPr>
+            <a:r>
+              <a:rPr lang="en-US" sz="2200" dirty="0"/>
+              <a:t>Security, data privacy, user preferences, system reliability</a:t>
+            </a:r>
+          </a:p>
+        </p:txBody>
+      </p:sp>
+    </p:spTree>
+    <p:extLst>
+      <p:ext uri="{BB962C8B-B14F-4D97-AF65-F5344CB8AC3E}">
+        <p14:creationId xmlns:p14="http://schemas.microsoft.com/office/powerpoint/2010/main" val="967528889"/>
+      </p:ext>
+    </p:extLst>
+  </p:cSld>
+  <p:clrMapOvr>
+    <a:masterClrMapping/>
+  </p:clrMapOvr>
+</p:sld>
+</file>
+
+<file path=ppt/slides/slide15.xml><?xml version="1.0" encoding="utf-8"?>
 <p:sld xmlns:a="http://schemas.openxmlformats.org/drawingml/2006/main" xmlns:r="http://schemas.openxmlformats.org/officeDocument/2006/relationships" xmlns:p="http://schemas.openxmlformats.org/presentationml/2006/main">
   <p:cSld>
     <p:spTree>
@@ -15309,7 +15997,7 @@
             </a:pPr>
             <a:r>
               <a:rPr lang="en-US" sz="2800" b="1" dirty="0"/>
-              <a:t>Contributions</a:t>
+              <a:t>IV.1. Contributions</a:t>
             </a:r>
             <a:r>
               <a:rPr lang="en-US" sz="2800" dirty="0"/>
@@ -16122,7 +16810,7 @@
 </p:sld>
 </file>
 
-<file path=ppt/slides/slide15.xml><?xml version="1.0" encoding="utf-8"?>
+<file path=ppt/slides/slide16.xml><?xml version="1.0" encoding="utf-8"?>
 <p:sld xmlns:a="http://schemas.openxmlformats.org/drawingml/2006/main" xmlns:r="http://schemas.openxmlformats.org/officeDocument/2006/relationships" xmlns:p="http://schemas.openxmlformats.org/presentationml/2006/main">
   <p:cSld>
     <p:spTree>
@@ -16155,7 +16843,7 @@
         </p:nvSpPr>
         <p:spPr>
           <a:xfrm>
-            <a:off x="1338394" y="705125"/>
+            <a:off x="1338394" y="441624"/>
             <a:ext cx="7645689" cy="617986"/>
           </a:xfrm>
           <a:prstGeom prst="rect">
@@ -16164,7 +16852,7 @@
         </p:spPr>
         <p:txBody>
           <a:bodyPr vert="horz" lIns="91440" tIns="45720" rIns="91440" bIns="45720" rtlCol="0" anchor="t">
-            <a:normAutofit/>
+            <a:noAutofit/>
           </a:bodyPr>
           <a:lstStyle>
             <a:lvl1pPr algn="l" defTabSz="457200" rtl="0" eaLnBrk="1" latinLnBrk="0" hangingPunct="1">
@@ -16250,10 +16938,24 @@
               </a:defRPr>
             </a:pPr>
             <a:r>
-              <a:rPr lang="en-VN" sz="2500" dirty="0"/>
+              <a:rPr lang="en-US" sz="2800" b="1" dirty="0"/>
+              <a:t>IV.2. Contributions</a:t>
+            </a:r>
+            <a:endParaRPr lang="en-US" sz="2800" dirty="0"/>
+          </a:p>
+          <a:p>
+            <a:pPr>
+              <a:defRPr>
+                <a:solidFill>
+                  <a:srgbClr val="0066CC"/>
+                </a:solidFill>
+              </a:defRPr>
+            </a:pPr>
+            <a:r>
+              <a:rPr lang="en-VN" sz="2800" dirty="0"/>
               <a:t>Additional ideas &amp; improvements</a:t>
             </a:r>
-            <a:endParaRPr lang="en-US" sz="2500" dirty="0">
+            <a:endParaRPr lang="en-US" sz="2800" dirty="0">
               <a:solidFill>
                 <a:srgbClr val="0066CC"/>
               </a:solidFill>
@@ -17036,7 +17738,7 @@
 </p:sld>
 </file>
 
-<file path=ppt/slides/slide16.xml><?xml version="1.0" encoding="utf-8"?>
+<file path=ppt/slides/slide17.xml><?xml version="1.0" encoding="utf-8"?>
 <p:sld xmlns:a="http://schemas.openxmlformats.org/drawingml/2006/main" xmlns:r="http://schemas.openxmlformats.org/officeDocument/2006/relationships" xmlns:p="http://schemas.openxmlformats.org/presentationml/2006/main">
   <p:cSld>
     <p:spTree>
@@ -17732,7 +18434,7 @@
             </a:pPr>
             <a:r>
               <a:rPr lang="en-US" sz="2800" b="1" dirty="0"/>
-              <a:t>I. Conceptual design </a:t>
+              <a:t>I.1. Conceptual design </a:t>
             </a:r>
             <a:r>
               <a:rPr lang="en-US" sz="2800" dirty="0"/>
@@ -18748,7 +19450,7 @@
             </a:pPr>
             <a:r>
               <a:rPr lang="nb-NO" sz="2800" b="1" dirty="0"/>
-              <a:t>I. </a:t>
+              <a:t>I.1. </a:t>
             </a:r>
             <a:r>
               <a:rPr lang="nb-NO" sz="2800" b="1" dirty="0" err="1"/>
@@ -19293,7 +19995,7 @@
                   <a:srgbClr val="0066CC"/>
                 </a:solidFill>
               </a:rPr>
-              <a:t>II. Algorithm and logic</a:t>
+              <a:t>I.2. Algorithm and logic</a:t>
             </a:r>
           </a:p>
         </p:txBody>
@@ -19440,7 +20142,7 @@
             </a:pPr>
             <a:r>
               <a:rPr lang="en-US" sz="2800" b="1" dirty="0"/>
-              <a:t>UI proposal </a:t>
+              <a:t>II.1a. UI proposal </a:t>
             </a:r>
             <a:r>
               <a:rPr lang="en-US" sz="2800" dirty="0"/>
@@ -19811,7 +20513,7 @@
             </a:pPr>
             <a:r>
               <a:rPr lang="en-US" sz="2800" b="1" dirty="0"/>
-              <a:t>UI proposal </a:t>
+              <a:t>II.1a. UI proposal </a:t>
             </a:r>
             <a:r>
               <a:rPr lang="en-US" sz="2800" dirty="0"/>
@@ -20276,7 +20978,7 @@
             </a:pPr>
             <a:r>
               <a:rPr lang="en-US" sz="2800" b="1" dirty="0"/>
-              <a:t>UI proposal </a:t>
+              <a:t>II.1a. UI proposal </a:t>
             </a:r>
             <a:r>
               <a:rPr lang="en-US" sz="2800" dirty="0"/>
